--- a/Programacion web extendido/PW_Sesión1.pptx
+++ b/Programacion web extendido/PW_Sesión1.pptx
@@ -220,7 +220,7 @@
           <a:p>
             <a:fld id="{7FF7D7FF-DDC7-474C-8526-899954A31AD1}" type="datetimeFigureOut">
               <a:rPr lang="es-EC" smtClean="0"/>
-              <a:t>1/9/2024</a:t>
+              <a:t>29/9/2024</a:t>
             </a:fld>
             <a:endParaRPr lang="es-EC"/>
           </a:p>
@@ -646,7 +646,7 @@
           <a:p>
             <a:fld id="{8FEB83C7-CE7D-EE43-931B-A983B2AE7CF3}" type="datetimeFigureOut">
               <a:rPr lang="es-EC" smtClean="0"/>
-              <a:t>1/9/2024</a:t>
+              <a:t>29/9/2024</a:t>
             </a:fld>
             <a:endParaRPr lang="es-EC"/>
           </a:p>
@@ -1104,8 +1104,8 @@
         </p:nvSpPr>
         <p:spPr>
           <a:xfrm>
-            <a:off x="8770775" y="4909848"/>
-            <a:ext cx="1399807" cy="369332"/>
+            <a:off x="7175046" y="4673873"/>
+            <a:ext cx="4591264" cy="1200329"/>
           </a:xfrm>
           <a:prstGeom prst="rect">
             <a:avLst/>
@@ -1113,15 +1113,30 @@
           <a:noFill/>
         </p:spPr>
         <p:txBody>
-          <a:bodyPr wrap="none" rtlCol="0">
+          <a:bodyPr wrap="square" rtlCol="0">
             <a:spAutoFit/>
           </a:bodyPr>
           <a:lstStyle/>
           <a:p>
+            <a:pPr algn="ctr"/>
             <a:r>
               <a:rPr lang="es-419" dirty="0"/>
-              <a:t>Presentación</a:t>
-            </a:r>
+              <a:t>Sesión 1</a:t>
+            </a:r>
+          </a:p>
+          <a:p>
+            <a:pPr algn="ctr"/>
+            <a:r>
+              <a:rPr lang="es-ES" b="0" i="0" dirty="0">
+                <a:solidFill>
+                  <a:srgbClr val="333333"/>
+                </a:solidFill>
+                <a:effectLst/>
+                <a:latin typeface="monserrat"/>
+              </a:rPr>
+              <a:t>Presentación de tutor, exposición de Programa de Estudios de Asignatura (PEA), sistema de evaluación y normas del curso. </a:t>
+            </a:r>
+            <a:endParaRPr lang="es-419" dirty="0"/>
           </a:p>
         </p:txBody>
       </p:sp>

--- a/Programacion web extendido/PW_Sesión1.pptx
+++ b/Programacion web extendido/PW_Sesión1.pptx
@@ -220,7 +220,7 @@
           <a:p>
             <a:fld id="{7FF7D7FF-DDC7-474C-8526-899954A31AD1}" type="datetimeFigureOut">
               <a:rPr lang="es-EC" smtClean="0"/>
-              <a:t>29/9/2024</a:t>
+              <a:t>25/3/2025</a:t>
             </a:fld>
             <a:endParaRPr lang="es-EC"/>
           </a:p>
@@ -646,7 +646,7 @@
           <a:p>
             <a:fld id="{8FEB83C7-CE7D-EE43-931B-A983B2AE7CF3}" type="datetimeFigureOut">
               <a:rPr lang="es-EC" smtClean="0"/>
-              <a:t>29/9/2024</a:t>
+              <a:t>25/3/2025</a:t>
             </a:fld>
             <a:endParaRPr lang="es-EC"/>
           </a:p>
@@ -1689,6 +1689,13 @@
             <a:r>
               <a:rPr lang="es-419" sz="1400" dirty="0"/>
               <a:t>Evitar en lo posible atrasos.</a:t>
+            </a:r>
+          </a:p>
+          <a:p>
+            <a:pPr algn="just"/>
+            <a:r>
+              <a:rPr lang="es-419" sz="1400" dirty="0"/>
+              <a:t>Cámaras encendidas (si aplica).</a:t>
             </a:r>
           </a:p>
           <a:p>
